--- a/Bienvenid@ a proyecto Kaltia.pptx
+++ b/Bienvenid@ a proyecto Kaltia.pptx
@@ -114,6 +114,11 @@
       </a:defRPr>
     </a:lvl9pPr>
   </p:defaultTextStyle>
+  <p:extLst>
+    <p:ext uri="{EFAFB233-063F-42B5-8137-9DF3F51BA10A}">
+      <p15:sldGuideLst xmlns:p15="http://schemas.microsoft.com/office/powerpoint/2012/main"/>
+    </p:ext>
+  </p:extLst>
 </p:presentation>
 </file>
 
@@ -6045,6 +6050,13 @@
   <p:clrMapOvr>
     <a:masterClrMapping/>
   </p:clrMapOvr>
+  <p:timing>
+    <p:tnLst>
+      <p:par>
+        <p:cTn id="1" dur="indefinite" restart="never" nodeType="tmRoot"/>
+      </p:par>
+    </p:tnLst>
+  </p:timing>
 </p:sld>
 </file>
 
@@ -6451,6 +6463,7 @@
           <a:bodyPr/>
           <a:lstStyle/>
           <a:p>
+            <a:pPr algn="just"/>
             <a:r>
               <a:rPr lang="es-MX" dirty="0" err="1" smtClean="0"/>
               <a:t>Kaltia</a:t>
@@ -6460,12 +6473,12 @@
               <a:t> es una palabra </a:t>
             </a:r>
             <a:r>
-              <a:rPr lang="es-MX" dirty="0" err="1" smtClean="0"/>
-              <a:t>Nahuatl</a:t>
-            </a:r>
-            <a:r>
-              <a:rPr lang="es-MX" dirty="0" smtClean="0"/>
-              <a:t> significa Construir   y nuestro logo es un </a:t>
+              <a:rPr lang="es-MX" dirty="0" smtClean="0"/>
+              <a:t>Náhuatl </a:t>
+            </a:r>
+            <a:r>
+              <a:rPr lang="es-MX" dirty="0" smtClean="0"/>
+              <a:t>significa Construir   y nuestro logo es un </a:t>
             </a:r>
             <a:r>
               <a:rPr lang="es-MX" dirty="0" err="1" smtClean="0"/>
@@ -6473,24 +6486,47 @@
             </a:r>
             <a:r>
               <a:rPr lang="es-MX" dirty="0" smtClean="0"/>
-              <a:t> de prosperidad.  !!</a:t>
-            </a:r>
-          </a:p>
-          <a:p>
-            <a:r>
-              <a:rPr lang="es-MX" dirty="0" smtClean="0"/>
-              <a:t>Comienza el proyecto </a:t>
-            </a:r>
+              <a:t> </a:t>
+            </a:r>
+            <a:r>
+              <a:rPr lang="es-MX" dirty="0" smtClean="0"/>
+              <a:t>de prosperidad.  !!</a:t>
+            </a:r>
+          </a:p>
+          <a:p>
+            <a:pPr algn="just"/>
             <a:r>
               <a:rPr lang="es-MX" dirty="0" err="1" smtClean="0"/>
               <a:t>Kaltia</a:t>
             </a:r>
             <a:r>
               <a:rPr lang="es-MX" dirty="0" smtClean="0"/>
-              <a:t> con proyección a dar soluciones de informática,</a:t>
-            </a:r>
-          </a:p>
-          <a:p>
+              <a:t>  inicia con la proyección </a:t>
+            </a:r>
+            <a:r>
+              <a:rPr lang="es-MX" dirty="0" smtClean="0"/>
+              <a:t>de</a:t>
+            </a:r>
+            <a:r>
+              <a:rPr lang="es-MX" dirty="0" smtClean="0"/>
+              <a:t> </a:t>
+            </a:r>
+            <a:r>
+              <a:rPr lang="es-MX" dirty="0" smtClean="0"/>
+              <a:t>dar soluciones </a:t>
+            </a:r>
+            <a:r>
+              <a:rPr lang="es-MX" dirty="0" smtClean="0"/>
+              <a:t>en</a:t>
+            </a:r>
+            <a:r>
+              <a:rPr lang="es-MX" dirty="0" smtClean="0"/>
+              <a:t> informática.</a:t>
+            </a:r>
+            <a:endParaRPr lang="es-MX" dirty="0" smtClean="0"/>
+          </a:p>
+          <a:p>
+            <a:pPr algn="just"/>
             <a:r>
               <a:rPr lang="es-MX" dirty="0" smtClean="0"/>
               <a:t>Quiero presentarte la versión inicial de </a:t>
@@ -6505,19 +6541,29 @@
             </a:r>
           </a:p>
           <a:p>
-            <a:r>
-              <a:rPr lang="es-MX" dirty="0" smtClean="0"/>
-              <a:t>Básicamente es posicionar tu idea , tu negocio, tu presencia en Internet.</a:t>
-            </a:r>
-          </a:p>
-          <a:p>
+            <a:pPr algn="just"/>
+            <a:r>
+              <a:rPr lang="es-MX" dirty="0" smtClean="0"/>
+              <a:t>Nuestra misión es </a:t>
+            </a:r>
+            <a:r>
+              <a:rPr lang="es-MX" dirty="0" smtClean="0"/>
+              <a:t>posicionar tu idea , tu negocio, tu presencia en Internet.</a:t>
+            </a:r>
+          </a:p>
+          <a:p>
+            <a:pPr algn="just"/>
             <a:r>
               <a:rPr lang="es-MX" dirty="0" err="1" smtClean="0"/>
               <a:t>Kaltia</a:t>
             </a:r>
             <a:r>
               <a:rPr lang="es-MX" dirty="0" smtClean="0"/>
-              <a:t> es un Sistema de Manejo de Contenidos para la administración de tu PAGINA de Internet</a:t>
+              <a:t> es un Sistema de Manejo de Contenidos para la administración de tu </a:t>
+            </a:r>
+            <a:r>
+              <a:rPr lang="es-MX" dirty="0" smtClean="0"/>
+              <a:t>Negocio en Internet.</a:t>
             </a:r>
             <a:endParaRPr lang="es-MX" dirty="0"/>
           </a:p>
@@ -6574,6 +6620,13 @@
   <p:clrMapOvr>
     <a:masterClrMapping/>
   </p:clrMapOvr>
+  <p:timing>
+    <p:tnLst>
+      <p:par>
+        <p:cTn id="1" dur="indefinite" restart="never" nodeType="tmRoot"/>
+      </p:par>
+    </p:tnLst>
+  </p:timing>
 </p:sld>
 </file>
 
@@ -6618,12 +6671,12 @@
               <a:t> : </a:t>
             </a:r>
             <a:r>
-              <a:rPr lang="es-MX" dirty="0" err="1" smtClean="0"/>
-              <a:t>Administracion</a:t>
-            </a:r>
-            <a:r>
-              <a:rPr lang="es-MX" dirty="0" smtClean="0"/>
-              <a:t> de Contenidos 1</a:t>
+              <a:rPr lang="es-MX" dirty="0" smtClean="0"/>
+              <a:t>Administración </a:t>
+            </a:r>
+            <a:r>
+              <a:rPr lang="es-MX" dirty="0" smtClean="0"/>
+              <a:t>de Contenidos 1</a:t>
             </a:r>
             <a:endParaRPr lang="es-MX" dirty="0"/>
           </a:p>
@@ -6650,13 +6703,32 @@
             </a:r>
             <a:r>
               <a:rPr lang="es-MX" dirty="0" smtClean="0"/>
-              <a:t> es un sistema que administra el contenido de tu pagina de internet.</a:t>
-            </a:r>
-          </a:p>
-          <a:p>
-            <a:r>
-              <a:rPr lang="es-MX" dirty="0" smtClean="0"/>
-              <a:t>Ingresa a </a:t>
+              <a:t> es un sistema que administra el contenido de tu </a:t>
+            </a:r>
+            <a:r>
+              <a:rPr lang="es-MX" dirty="0" smtClean="0"/>
+              <a:t>Negocio en </a:t>
+            </a:r>
+            <a:r>
+              <a:rPr lang="es-MX" dirty="0" smtClean="0"/>
+              <a:t>internet</a:t>
+            </a:r>
+            <a:r>
+              <a:rPr lang="es-MX" dirty="0" smtClean="0"/>
+              <a:t>.</a:t>
+            </a:r>
+          </a:p>
+          <a:p>
+            <a:r>
+              <a:rPr lang="es-MX" dirty="0" smtClean="0"/>
+              <a:t>De forma sencilla:</a:t>
+            </a:r>
+          </a:p>
+          <a:p>
+            <a:pPr lvl="1"/>
+            <a:r>
+              <a:rPr lang="es-MX" dirty="0" smtClean="0"/>
+              <a:t>Ingresando a </a:t>
             </a:r>
             <a:r>
               <a:rPr lang="es-MX" dirty="0" smtClean="0">
@@ -6674,27 +6746,58 @@
             </a:r>
             <a:r>
               <a:rPr lang="es-MX" dirty="0" smtClean="0"/>
-              <a:t> previamente proporcionados.</a:t>
-            </a:r>
-          </a:p>
-          <a:p>
-            <a:r>
-              <a:rPr lang="es-MX" dirty="0" smtClean="0"/>
-              <a:t>La pantalla de inicio son los datos generales de ti, de tu empresa, de tu idea o de tu proyecto.</a:t>
-            </a:r>
-          </a:p>
-          <a:p>
-            <a:r>
-              <a:rPr lang="es-MX" dirty="0" smtClean="0"/>
-              <a:t>Busca la sección de </a:t>
-            </a:r>
-            <a:r>
-              <a:rPr lang="es-MX" dirty="0" err="1" smtClean="0"/>
-              <a:t>Edicion</a:t>
-            </a:r>
-            <a:r>
-              <a:rPr lang="es-MX" dirty="0" smtClean="0"/>
               <a:t> </a:t>
+            </a:r>
+            <a:r>
+              <a:rPr lang="es-MX" dirty="0" smtClean="0"/>
+              <a:t>proporcionados…</a:t>
+            </a:r>
+            <a:endParaRPr lang="es-MX" dirty="0" smtClean="0"/>
+          </a:p>
+          <a:p>
+            <a:pPr lvl="1"/>
+            <a:r>
+              <a:rPr lang="es-MX" dirty="0" smtClean="0"/>
+              <a:t>Verás</a:t>
+            </a:r>
+            <a:r>
+              <a:rPr lang="es-MX" dirty="0" smtClean="0"/>
+              <a:t> la pantalla </a:t>
+            </a:r>
+            <a:r>
+              <a:rPr lang="es-MX" dirty="0" smtClean="0"/>
+              <a:t>de inicio </a:t>
+            </a:r>
+            <a:r>
+              <a:rPr lang="es-MX" dirty="0" smtClean="0"/>
+              <a:t>los </a:t>
+            </a:r>
+            <a:r>
+              <a:rPr lang="es-MX" dirty="0" smtClean="0"/>
+              <a:t>datos generales de </a:t>
+            </a:r>
+            <a:r>
+              <a:rPr lang="es-MX" dirty="0" smtClean="0"/>
+              <a:t>tu Negocio o proyecto</a:t>
+            </a:r>
+            <a:r>
+              <a:rPr lang="es-MX" dirty="0" smtClean="0"/>
+              <a:t>.</a:t>
+            </a:r>
+          </a:p>
+          <a:p>
+            <a:pPr lvl="1"/>
+            <a:r>
+              <a:rPr lang="es-MX" dirty="0" smtClean="0"/>
+              <a:t>Posteriormente busca </a:t>
+            </a:r>
+            <a:r>
+              <a:rPr lang="es-MX" dirty="0" smtClean="0"/>
+              <a:t>la sección de </a:t>
+            </a:r>
+            <a:r>
+              <a:rPr lang="es-MX" dirty="0" smtClean="0"/>
+              <a:t>Edición </a:t>
             </a:r>
             <a:r>
               <a:rPr lang="es-MX" dirty="0" smtClean="0">
@@ -6734,7 +6837,7 @@
         </p:blipFill>
         <p:spPr>
           <a:xfrm>
-            <a:off x="1353087" y="4855336"/>
+            <a:off x="1619595" y="5057205"/>
             <a:ext cx="6942599" cy="806874"/>
           </a:xfrm>
           <a:prstGeom prst="rect">
@@ -6750,43 +6853,17 @@
         </p:nvSpPr>
         <p:spPr>
           <a:xfrm>
-            <a:off x="6658377" y="5138670"/>
+            <a:off x="6954590" y="5299656"/>
             <a:ext cx="695460" cy="321972"/>
           </a:xfrm>
           <a:prstGeom prst="ellipse">
             <a:avLst/>
           </a:prstGeom>
           <a:noFill/>
-          <a:ln>
-            <a:gradFill>
-              <a:gsLst>
-                <a:gs pos="0">
-                  <a:schemeClr val="bg2">
-                    <a:lumMod val="20000"/>
-                    <a:lumOff val="80000"/>
-                  </a:schemeClr>
-                </a:gs>
-                <a:gs pos="74000">
-                  <a:schemeClr val="accent1">
-                    <a:lumMod val="45000"/>
-                    <a:lumOff val="55000"/>
-                  </a:schemeClr>
-                </a:gs>
-                <a:gs pos="83000">
-                  <a:schemeClr val="accent1">
-                    <a:lumMod val="45000"/>
-                    <a:lumOff val="55000"/>
-                  </a:schemeClr>
-                </a:gs>
-                <a:gs pos="100000">
-                  <a:schemeClr val="accent1">
-                    <a:lumMod val="30000"/>
-                    <a:lumOff val="70000"/>
-                  </a:schemeClr>
-                </a:gs>
-              </a:gsLst>
-              <a:lin ang="5400000" scaled="1"/>
-            </a:gradFill>
+          <a:ln w="57150">
+            <a:solidFill>
+              <a:srgbClr val="FF0000"/>
+            </a:solidFill>
           </a:ln>
         </p:spPr>
         <p:style>
@@ -6865,6 +6942,13 @@
   <p:clrMapOvr>
     <a:masterClrMapping/>
   </p:clrMapOvr>
+  <p:timing>
+    <p:tnLst>
+      <p:par>
+        <p:cTn id="1" dur="indefinite" restart="never" nodeType="tmRoot"/>
+      </p:par>
+    </p:tnLst>
+  </p:timing>
 </p:sld>
 </file>
 
@@ -6941,7 +7025,31 @@
           <a:p>
             <a:r>
               <a:rPr lang="es-MX" dirty="0" smtClean="0"/>
-              <a:t>Aparece la plantilla previamente cargada con datos estándar.</a:t>
+              <a:t>Y </a:t>
+            </a:r>
+            <a:r>
+              <a:rPr lang="es-MX" dirty="0" smtClean="0"/>
+              <a:t>a</a:t>
+            </a:r>
+            <a:r>
+              <a:rPr lang="es-MX" dirty="0" smtClean="0"/>
+              <a:t>parece </a:t>
+            </a:r>
+            <a:r>
+              <a:rPr lang="es-MX" dirty="0" smtClean="0"/>
+              <a:t>la plantilla previamente cargada </a:t>
+            </a:r>
+            <a:r>
+              <a:rPr lang="es-MX" dirty="0" smtClean="0"/>
+              <a:t>de</a:t>
+            </a:r>
+            <a:r>
+              <a:rPr lang="es-MX" dirty="0" smtClean="0"/>
+              <a:t> </a:t>
+            </a:r>
+            <a:r>
+              <a:rPr lang="es-MX" dirty="0" smtClean="0"/>
+              <a:t>datos estándar.</a:t>
             </a:r>
           </a:p>
           <a:p>
@@ -6968,7 +7076,15 @@
           <a:p>
             <a:r>
               <a:rPr lang="es-MX" dirty="0" smtClean="0"/>
-              <a:t>Navega con la plantilla general ‘</a:t>
+              <a:t>Navega </a:t>
+            </a:r>
+            <a:r>
+              <a:rPr lang="es-MX" dirty="0" smtClean="0"/>
+              <a:t>en la </a:t>
+            </a:r>
+            <a:r>
+              <a:rPr lang="es-MX" dirty="0" smtClean="0"/>
+              <a:t>plantilla general ‘</a:t>
             </a:r>
             <a:r>
               <a:rPr lang="es-MX" dirty="0" err="1" smtClean="0"/>
@@ -7063,6 +7179,13 @@
   <p:clrMapOvr>
     <a:masterClrMapping/>
   </p:clrMapOvr>
+  <p:timing>
+    <p:tnLst>
+      <p:par>
+        <p:cTn id="1" dur="indefinite" restart="never" nodeType="tmRoot"/>
+      </p:par>
+    </p:tnLst>
+  </p:timing>
 </p:sld>
 </file>
 
@@ -7139,13 +7262,29 @@
           <a:p>
             <a:r>
               <a:rPr lang="es-MX" dirty="0" smtClean="0"/>
-              <a:t>Te recomiendo que realices el proceso de Edición en una PC, también lo puedes ver desde tu celular, pero la resolución de pantalla es notable.</a:t>
-            </a:r>
-          </a:p>
-          <a:p>
-            <a:r>
-              <a:rPr lang="es-MX" dirty="0" smtClean="0"/>
-              <a:t>En cada sección de la plantilla general puedes observar q cambia el fondo a rojo:</a:t>
+              <a:t>Te recomiendo que realices el proceso de Edición en una PC, </a:t>
+            </a:r>
+            <a:r>
+              <a:rPr lang="es-MX" dirty="0" smtClean="0"/>
+              <a:t>pero también puedes hacerlo desde </a:t>
+            </a:r>
+            <a:r>
+              <a:rPr lang="es-MX" dirty="0" smtClean="0"/>
+              <a:t>tu celular, pero la resolución de pantalla es notable.</a:t>
+            </a:r>
+          </a:p>
+          <a:p>
+            <a:r>
+              <a:rPr lang="es-MX" dirty="0" smtClean="0"/>
+              <a:t>En cada sección de la plantilla general puedes observar </a:t>
+            </a:r>
+            <a:r>
+              <a:rPr lang="es-MX" dirty="0" smtClean="0"/>
+              <a:t>que  cambia </a:t>
+            </a:r>
+            <a:r>
+              <a:rPr lang="es-MX" dirty="0" smtClean="0"/>
+              <a:t>el fondo a rojo:</a:t>
             </a:r>
             <a:endParaRPr lang="es-MX" dirty="0"/>
           </a:p>
@@ -7270,12 +7409,12 @@
               <a:t> : </a:t>
             </a:r>
             <a:r>
-              <a:rPr lang="es-MX" dirty="0" err="1"/>
-              <a:t>Administracion</a:t>
+              <a:rPr lang="es-MX" dirty="0" smtClean="0"/>
+              <a:t>Administración </a:t>
             </a:r>
             <a:r>
               <a:rPr lang="es-MX" dirty="0"/>
-              <a:t> de Contenidos </a:t>
+              <a:t>de Contenidos </a:t>
             </a:r>
             <a:r>
               <a:rPr lang="es-MX" dirty="0" smtClean="0"/>
@@ -7304,7 +7443,19 @@
           <a:p>
             <a:r>
               <a:rPr lang="es-MX" dirty="0" smtClean="0"/>
-              <a:t>En esta sección activa en rojo, tu puedes dar </a:t>
+              <a:t>Y desde esta sección, </a:t>
+            </a:r>
+            <a:r>
+              <a:rPr lang="es-MX" dirty="0" smtClean="0"/>
+              <a:t>activa en rojo</a:t>
+            </a:r>
+            <a:r>
+              <a:rPr lang="es-MX" dirty="0" smtClean="0"/>
+              <a:t>, </a:t>
+            </a:r>
+            <a:r>
+              <a:rPr lang="es-MX" dirty="0" smtClean="0"/>
+              <a:t>puedes dar </a:t>
             </a:r>
             <a:r>
               <a:rPr lang="es-MX" dirty="0" err="1" smtClean="0"/>
@@ -7312,7 +7463,23 @@
             </a:r>
             <a:r>
               <a:rPr lang="es-MX" dirty="0" smtClean="0"/>
-              <a:t> y te aparece una pantalla emergente con el contenido de tu información , claro por cada sección:</a:t>
+              <a:t> y </a:t>
+            </a:r>
+            <a:r>
+              <a:rPr lang="es-MX" dirty="0" smtClean="0"/>
+              <a:t>aparecerá </a:t>
+            </a:r>
+            <a:r>
+              <a:rPr lang="es-MX" dirty="0" smtClean="0"/>
+              <a:t>una pantalla emergente con el contenido de tu información </a:t>
+            </a:r>
+            <a:r>
+              <a:rPr lang="es-MX" dirty="0" smtClean="0"/>
+              <a:t>por </a:t>
+            </a:r>
+            <a:r>
+              <a:rPr lang="es-MX" dirty="0" smtClean="0"/>
+              <a:t>cada sección:</a:t>
             </a:r>
           </a:p>
           <a:p>
